--- a/documentation/videos/hotel-manager.pptx
+++ b/documentation/videos/hotel-manager.pptx
@@ -5784,7 +5784,7 @@
           <p:cNvPr id="2" name="Title 1">
             <a:extLst>
               <a:ext uri="{FF2B5EF4-FFF2-40B4-BE49-F238E27FC236}">
-                <a16:creationId xmlns="" xmlns:a16="http://schemas.microsoft.com/office/drawing/2014/main" id="{153F123F-71E0-4F3F-B79C-7BF1D74E7A64}"/>
+                <a16:creationId xmlns:a16="http://schemas.microsoft.com/office/drawing/2014/main" xmlns="" id="{153F123F-71E0-4F3F-B79C-7BF1D74E7A64}"/>
               </a:ext>
             </a:extLst>
           </p:cNvPr>
@@ -5818,7 +5818,7 @@
           <p:cNvPr id="3" name="Subtitle 2">
             <a:extLst>
               <a:ext uri="{FF2B5EF4-FFF2-40B4-BE49-F238E27FC236}">
-                <a16:creationId xmlns="" xmlns:a16="http://schemas.microsoft.com/office/drawing/2014/main" id="{BD525BAF-E852-4A11-AB23-44C92E8E6015}"/>
+                <a16:creationId xmlns:a16="http://schemas.microsoft.com/office/drawing/2014/main" xmlns="" id="{BD525BAF-E852-4A11-AB23-44C92E8E6015}"/>
               </a:ext>
             </a:extLst>
           </p:cNvPr>
@@ -5901,7 +5901,7 @@
           <p:cNvPr id="2" name="Title 1">
             <a:extLst>
               <a:ext uri="{FF2B5EF4-FFF2-40B4-BE49-F238E27FC236}">
-                <a16:creationId xmlns="" xmlns:a16="http://schemas.microsoft.com/office/drawing/2014/main" id="{2CE6710C-B90C-46E3-A5D1-44ACA2B4F65E}"/>
+                <a16:creationId xmlns:a16="http://schemas.microsoft.com/office/drawing/2014/main" xmlns="" id="{2CE6710C-B90C-46E3-A5D1-44ACA2B4F65E}"/>
               </a:ext>
             </a:extLst>
           </p:cNvPr>
@@ -5930,7 +5930,7 @@
           <p:cNvPr id="3" name="Content Placeholder 2">
             <a:extLst>
               <a:ext uri="{FF2B5EF4-FFF2-40B4-BE49-F238E27FC236}">
-                <a16:creationId xmlns="" xmlns:a16="http://schemas.microsoft.com/office/drawing/2014/main" id="{A0C2D071-CFC3-4DE3-972B-6DCF3EDE4B4E}"/>
+                <a16:creationId xmlns:a16="http://schemas.microsoft.com/office/drawing/2014/main" xmlns="" id="{A0C2D071-CFC3-4DE3-972B-6DCF3EDE4B4E}"/>
               </a:ext>
             </a:extLst>
           </p:cNvPr>
@@ -6045,7 +6045,7 @@
           <p:cNvPr id="2" name="Title 1">
             <a:extLst>
               <a:ext uri="{FF2B5EF4-FFF2-40B4-BE49-F238E27FC236}">
-                <a16:creationId xmlns="" xmlns:a16="http://schemas.microsoft.com/office/drawing/2014/main" id="{6B42BA33-8AEF-4442-A1C9-29A57262EE91}"/>
+                <a16:creationId xmlns:a16="http://schemas.microsoft.com/office/drawing/2014/main" xmlns="" id="{6B42BA33-8AEF-4442-A1C9-29A57262EE91}"/>
               </a:ext>
             </a:extLst>
           </p:cNvPr>
@@ -6074,7 +6074,7 @@
           <p:cNvPr id="3" name="Content Placeholder 2">
             <a:extLst>
               <a:ext uri="{FF2B5EF4-FFF2-40B4-BE49-F238E27FC236}">
-                <a16:creationId xmlns="" xmlns:a16="http://schemas.microsoft.com/office/drawing/2014/main" id="{FB2F2012-B59F-4E50-99F4-87D466FED344}"/>
+                <a16:creationId xmlns:a16="http://schemas.microsoft.com/office/drawing/2014/main" xmlns="" id="{FB2F2012-B59F-4E50-99F4-87D466FED344}"/>
               </a:ext>
             </a:extLst>
           </p:cNvPr>
@@ -6177,7 +6177,7 @@
           <p:cNvPr id="2" name="Title 1">
             <a:extLst>
               <a:ext uri="{FF2B5EF4-FFF2-40B4-BE49-F238E27FC236}">
-                <a16:creationId xmlns="" xmlns:a16="http://schemas.microsoft.com/office/drawing/2014/main" id="{8A66CB61-58CD-4F3C-B2E3-FC0A6788500E}"/>
+                <a16:creationId xmlns:a16="http://schemas.microsoft.com/office/drawing/2014/main" xmlns="" id="{8A66CB61-58CD-4F3C-B2E3-FC0A6788500E}"/>
               </a:ext>
             </a:extLst>
           </p:cNvPr>
@@ -6206,7 +6206,7 @@
           <p:cNvPr id="3" name="Content Placeholder 2">
             <a:extLst>
               <a:ext uri="{FF2B5EF4-FFF2-40B4-BE49-F238E27FC236}">
-                <a16:creationId xmlns="" xmlns:a16="http://schemas.microsoft.com/office/drawing/2014/main" id="{DABFDA38-D77E-420E-92D4-3A7BF5945C73}"/>
+                <a16:creationId xmlns:a16="http://schemas.microsoft.com/office/drawing/2014/main" xmlns="" id="{DABFDA38-D77E-420E-92D4-3A7BF5945C73}"/>
               </a:ext>
             </a:extLst>
           </p:cNvPr>
@@ -6294,7 +6294,7 @@
           <p:cNvPr id="2" name="Title 1">
             <a:extLst>
               <a:ext uri="{FF2B5EF4-FFF2-40B4-BE49-F238E27FC236}">
-                <a16:creationId xmlns="" xmlns:a16="http://schemas.microsoft.com/office/drawing/2014/main" id="{E97B96CA-B31C-416D-B565-8055A6E19D94}"/>
+                <a16:creationId xmlns:a16="http://schemas.microsoft.com/office/drawing/2014/main" xmlns="" id="{E97B96CA-B31C-416D-B565-8055A6E19D94}"/>
               </a:ext>
             </a:extLst>
           </p:cNvPr>
@@ -6323,7 +6323,7 @@
           <p:cNvPr id="3" name="Content Placeholder 2">
             <a:extLst>
               <a:ext uri="{FF2B5EF4-FFF2-40B4-BE49-F238E27FC236}">
-                <a16:creationId xmlns="" xmlns:a16="http://schemas.microsoft.com/office/drawing/2014/main" id="{8C5E9D3B-D9A8-46CC-B470-CE8C3DB5A06C}"/>
+                <a16:creationId xmlns:a16="http://schemas.microsoft.com/office/drawing/2014/main" xmlns="" id="{8C5E9D3B-D9A8-46CC-B470-CE8C3DB5A06C}"/>
               </a:ext>
             </a:extLst>
           </p:cNvPr>
@@ -6352,12 +6352,20 @@
           </a:p>
           <a:p>
             <a:r>
-              <a:rPr lang="ro-RO" dirty="0" err="1"/>
-              <a:t>Responsive</a:t>
+              <a:rPr lang="ro-RO" smtClean="0"/>
+              <a:t>Responsiv</a:t>
+            </a:r>
+            <a:r>
+              <a:rPr lang="ro-RO"/>
+              <a:t>ă</a:t>
+            </a:r>
+            <a:r>
+              <a:rPr lang="ro-RO" smtClean="0"/>
+              <a:t> </a:t>
             </a:r>
             <a:r>
               <a:rPr lang="ro-RO" dirty="0"/>
-              <a:t> pentru orice tip de dispozitiv</a:t>
+              <a:t>pentru orice tip de dispozitiv</a:t>
             </a:r>
           </a:p>
           <a:p>
@@ -6404,7 +6412,7 @@
           <p:cNvPr id="2" name="Title 1">
             <a:extLst>
               <a:ext uri="{FF2B5EF4-FFF2-40B4-BE49-F238E27FC236}">
-                <a16:creationId xmlns="" xmlns:a16="http://schemas.microsoft.com/office/drawing/2014/main" id="{5FAAB929-7066-45DF-86DA-DAC367592F15}"/>
+                <a16:creationId xmlns:a16="http://schemas.microsoft.com/office/drawing/2014/main" xmlns="" id="{5FAAB929-7066-45DF-86DA-DAC367592F15}"/>
               </a:ext>
             </a:extLst>
           </p:cNvPr>
@@ -6433,7 +6441,7 @@
           <p:cNvPr id="3" name="Content Placeholder 2">
             <a:extLst>
               <a:ext uri="{FF2B5EF4-FFF2-40B4-BE49-F238E27FC236}">
-                <a16:creationId xmlns="" xmlns:a16="http://schemas.microsoft.com/office/drawing/2014/main" id="{68DC8E45-F4E1-4697-A77A-E5E4D523FA8E}"/>
+                <a16:creationId xmlns:a16="http://schemas.microsoft.com/office/drawing/2014/main" xmlns="" id="{68DC8E45-F4E1-4697-A77A-E5E4D523FA8E}"/>
               </a:ext>
             </a:extLst>
           </p:cNvPr>
@@ -6570,7 +6578,7 @@
           <p:cNvPr id="2" name="Title 1">
             <a:extLst>
               <a:ext uri="{FF2B5EF4-FFF2-40B4-BE49-F238E27FC236}">
-                <a16:creationId xmlns="" xmlns:a16="http://schemas.microsoft.com/office/drawing/2014/main" id="{24A9F888-C8F2-4308-A61B-353F13B87179}"/>
+                <a16:creationId xmlns:a16="http://schemas.microsoft.com/office/drawing/2014/main" xmlns="" id="{24A9F888-C8F2-4308-A61B-353F13B87179}"/>
               </a:ext>
             </a:extLst>
           </p:cNvPr>
@@ -6598,7 +6606,7 @@
           <p:cNvPr id="3" name="Content Placeholder 2">
             <a:extLst>
               <a:ext uri="{FF2B5EF4-FFF2-40B4-BE49-F238E27FC236}">
-                <a16:creationId xmlns="" xmlns:a16="http://schemas.microsoft.com/office/drawing/2014/main" id="{8AF9C85E-2A8F-43C9-ABC8-341963DF6B62}"/>
+                <a16:creationId xmlns:a16="http://schemas.microsoft.com/office/drawing/2014/main" xmlns="" id="{8AF9C85E-2A8F-43C9-ABC8-341963DF6B62}"/>
               </a:ext>
             </a:extLst>
           </p:cNvPr>
@@ -6749,7 +6757,7 @@
           <p:cNvPr id="2" name="Title 1">
             <a:extLst>
               <a:ext uri="{FF2B5EF4-FFF2-40B4-BE49-F238E27FC236}">
-                <a16:creationId xmlns="" xmlns:a16="http://schemas.microsoft.com/office/drawing/2014/main" id="{08F7DFE8-FD28-47EE-931F-9D3F25AD3EB6}"/>
+                <a16:creationId xmlns:a16="http://schemas.microsoft.com/office/drawing/2014/main" xmlns="" id="{08F7DFE8-FD28-47EE-931F-9D3F25AD3EB6}"/>
               </a:ext>
             </a:extLst>
           </p:cNvPr>
@@ -6787,7 +6795,7 @@
           <p:cNvPr id="6" name="Picture 6">
             <a:extLst>
               <a:ext uri="{FF2B5EF4-FFF2-40B4-BE49-F238E27FC236}">
-                <a16:creationId xmlns="" xmlns:a16="http://schemas.microsoft.com/office/drawing/2014/main" id="{C13D896D-F964-48DD-96AE-8F2FBA2EA1BB}"/>
+                <a16:creationId xmlns:a16="http://schemas.microsoft.com/office/drawing/2014/main" xmlns="" id="{C13D896D-F964-48DD-96AE-8F2FBA2EA1BB}"/>
               </a:ext>
             </a:extLst>
           </p:cNvPr>
@@ -6849,7 +6857,7 @@
           <p:cNvPr id="2" name="Title 1">
             <a:extLst>
               <a:ext uri="{FF2B5EF4-FFF2-40B4-BE49-F238E27FC236}">
-                <a16:creationId xmlns="" xmlns:a16="http://schemas.microsoft.com/office/drawing/2014/main" id="{BEE9AE76-6853-4782-92D3-F61E266B53C7}"/>
+                <a16:creationId xmlns:a16="http://schemas.microsoft.com/office/drawing/2014/main" xmlns="" id="{BEE9AE76-6853-4782-92D3-F61E266B53C7}"/>
               </a:ext>
             </a:extLst>
           </p:cNvPr>
@@ -6891,7 +6899,7 @@
           <p:cNvPr id="3" name="Content Placeholder 2">
             <a:extLst>
               <a:ext uri="{FF2B5EF4-FFF2-40B4-BE49-F238E27FC236}">
-                <a16:creationId xmlns="" xmlns:a16="http://schemas.microsoft.com/office/drawing/2014/main" id="{A15B9EE9-E041-484A-BBAC-C31DBFE5A41E}"/>
+                <a16:creationId xmlns:a16="http://schemas.microsoft.com/office/drawing/2014/main" xmlns="" id="{A15B9EE9-E041-484A-BBAC-C31DBFE5A41E}"/>
               </a:ext>
             </a:extLst>
           </p:cNvPr>
@@ -7101,7 +7109,7 @@
           <p:cNvPr id="2" name="Title 1">
             <a:extLst>
               <a:ext uri="{FF2B5EF4-FFF2-40B4-BE49-F238E27FC236}">
-                <a16:creationId xmlns="" xmlns:a16="http://schemas.microsoft.com/office/drawing/2014/main" id="{C0F72BF2-2483-4B7F-BB08-960819435CC5}"/>
+                <a16:creationId xmlns:a16="http://schemas.microsoft.com/office/drawing/2014/main" xmlns="" id="{C0F72BF2-2483-4B7F-BB08-960819435CC5}"/>
               </a:ext>
             </a:extLst>
           </p:cNvPr>
@@ -7134,7 +7142,7 @@
           <p:cNvPr id="3" name="Content Placeholder 2">
             <a:extLst>
               <a:ext uri="{FF2B5EF4-FFF2-40B4-BE49-F238E27FC236}">
-                <a16:creationId xmlns="" xmlns:a16="http://schemas.microsoft.com/office/drawing/2014/main" id="{A82DB124-6406-4C18-8D43-03AD9F17119A}"/>
+                <a16:creationId xmlns:a16="http://schemas.microsoft.com/office/drawing/2014/main" xmlns="" id="{A82DB124-6406-4C18-8D43-03AD9F17119A}"/>
               </a:ext>
             </a:extLst>
           </p:cNvPr>
@@ -7209,7 +7217,7 @@
           <p:cNvPr id="2" name="Title 1">
             <a:extLst>
               <a:ext uri="{FF2B5EF4-FFF2-40B4-BE49-F238E27FC236}">
-                <a16:creationId xmlns="" xmlns:a16="http://schemas.microsoft.com/office/drawing/2014/main" id="{9B9C4A55-E28C-4D83-8BF3-7F9789778229}"/>
+                <a16:creationId xmlns:a16="http://schemas.microsoft.com/office/drawing/2014/main" xmlns="" id="{9B9C4A55-E28C-4D83-8BF3-7F9789778229}"/>
               </a:ext>
             </a:extLst>
           </p:cNvPr>
@@ -7238,7 +7246,7 @@
           <p:cNvPr id="3" name="Content Placeholder 2">
             <a:extLst>
               <a:ext uri="{FF2B5EF4-FFF2-40B4-BE49-F238E27FC236}">
-                <a16:creationId xmlns="" xmlns:a16="http://schemas.microsoft.com/office/drawing/2014/main" id="{4066F3A0-4507-4072-9A33-3E8651EB313E}"/>
+                <a16:creationId xmlns:a16="http://schemas.microsoft.com/office/drawing/2014/main" xmlns="" id="{4066F3A0-4507-4072-9A33-3E8651EB313E}"/>
               </a:ext>
             </a:extLst>
           </p:cNvPr>
@@ -7345,7 +7353,7 @@
           <p:cNvPr id="2" name="Title 1">
             <a:extLst>
               <a:ext uri="{FF2B5EF4-FFF2-40B4-BE49-F238E27FC236}">
-                <a16:creationId xmlns="" xmlns:a16="http://schemas.microsoft.com/office/drawing/2014/main" id="{7FB9B436-10A5-4ECB-8384-F71E344ED68A}"/>
+                <a16:creationId xmlns:a16="http://schemas.microsoft.com/office/drawing/2014/main" xmlns="" id="{7FB9B436-10A5-4ECB-8384-F71E344ED68A}"/>
               </a:ext>
             </a:extLst>
           </p:cNvPr>
@@ -7374,7 +7382,7 @@
           <p:cNvPr id="3" name="Content Placeholder 2">
             <a:extLst>
               <a:ext uri="{FF2B5EF4-FFF2-40B4-BE49-F238E27FC236}">
-                <a16:creationId xmlns="" xmlns:a16="http://schemas.microsoft.com/office/drawing/2014/main" id="{19FF5783-2D6A-4E4E-B562-1AD3E67D2AFA}"/>
+                <a16:creationId xmlns:a16="http://schemas.microsoft.com/office/drawing/2014/main" xmlns="" id="{19FF5783-2D6A-4E4E-B562-1AD3E67D2AFA}"/>
               </a:ext>
             </a:extLst>
           </p:cNvPr>
@@ -7447,7 +7455,7 @@
           <p:cNvPr id="2" name="Title 1">
             <a:extLst>
               <a:ext uri="{FF2B5EF4-FFF2-40B4-BE49-F238E27FC236}">
-                <a16:creationId xmlns="" xmlns:a16="http://schemas.microsoft.com/office/drawing/2014/main" id="{E34B3B82-7FFB-4520-A664-15FD06C015DB}"/>
+                <a16:creationId xmlns:a16="http://schemas.microsoft.com/office/drawing/2014/main" xmlns="" id="{E34B3B82-7FFB-4520-A664-15FD06C015DB}"/>
               </a:ext>
             </a:extLst>
           </p:cNvPr>
@@ -7476,7 +7484,7 @@
           <p:cNvPr id="3" name="Content Placeholder 2">
             <a:extLst>
               <a:ext uri="{FF2B5EF4-FFF2-40B4-BE49-F238E27FC236}">
-                <a16:creationId xmlns="" xmlns:a16="http://schemas.microsoft.com/office/drawing/2014/main" id="{C0438D10-410B-43D1-B7CF-C695D26D611E}"/>
+                <a16:creationId xmlns:a16="http://schemas.microsoft.com/office/drawing/2014/main" xmlns="" id="{C0438D10-410B-43D1-B7CF-C695D26D611E}"/>
               </a:ext>
             </a:extLst>
           </p:cNvPr>
@@ -7807,7 +7815,7 @@
   <a:extraClrSchemeLst/>
   <a:extLst>
     <a:ext uri="{05A4C25C-085E-4340-85A3-A5531E510DB2}">
-      <thm15:themeFamily xmlns="" xmlns:thm15="http://schemas.microsoft.com/office/thememl/2012/main" name="Facet" id="{C0C680CD-088A-49FC-A102-D699147F32B2}" vid="{CFBC31BA-B70F-4F30-BCAA-4F3011E16C4D}"/>
+      <thm15:themeFamily xmlns:thm15="http://schemas.microsoft.com/office/thememl/2012/main" xmlns="" name="Facet" id="{C0C680CD-088A-49FC-A102-D699147F32B2}" vid="{CFBC31BA-B70F-4F30-BCAA-4F3011E16C4D}"/>
     </a:ext>
   </a:extLst>
 </a:theme>

--- a/documentation/videos/hotel-manager.pptx
+++ b/documentation/videos/hotel-manager.pptx
@@ -8,14 +8,14 @@
     <p:sldId id="256" r:id="rId2"/>
     <p:sldId id="257" r:id="rId3"/>
     <p:sldId id="258" r:id="rId4"/>
-    <p:sldId id="259" r:id="rId5"/>
+    <p:sldId id="268" r:id="rId5"/>
     <p:sldId id="260" r:id="rId6"/>
-    <p:sldId id="267" r:id="rId7"/>
-    <p:sldId id="261" r:id="rId8"/>
-    <p:sldId id="262" r:id="rId9"/>
-    <p:sldId id="263" r:id="rId10"/>
-    <p:sldId id="264" r:id="rId11"/>
-    <p:sldId id="268" r:id="rId12"/>
+    <p:sldId id="259" r:id="rId7"/>
+    <p:sldId id="267" r:id="rId8"/>
+    <p:sldId id="264" r:id="rId9"/>
+    <p:sldId id="261" r:id="rId10"/>
+    <p:sldId id="262" r:id="rId11"/>
+    <p:sldId id="263" r:id="rId12"/>
     <p:sldId id="265" r:id="rId13"/>
     <p:sldId id="266" r:id="rId14"/>
   </p:sldIdLst>
@@ -5784,7 +5784,7 @@
           <p:cNvPr id="2" name="Title 1">
             <a:extLst>
               <a:ext uri="{FF2B5EF4-FFF2-40B4-BE49-F238E27FC236}">
-                <a16:creationId xmlns:a16="http://schemas.microsoft.com/office/drawing/2014/main" xmlns="" id="{153F123F-71E0-4F3F-B79C-7BF1D74E7A64}"/>
+                <a16:creationId xmlns="" xmlns:a16="http://schemas.microsoft.com/office/drawing/2014/main" id="{153F123F-71E0-4F3F-B79C-7BF1D74E7A64}"/>
               </a:ext>
             </a:extLst>
           </p:cNvPr>
@@ -5818,7 +5818,7 @@
           <p:cNvPr id="3" name="Subtitle 2">
             <a:extLst>
               <a:ext uri="{FF2B5EF4-FFF2-40B4-BE49-F238E27FC236}">
-                <a16:creationId xmlns:a16="http://schemas.microsoft.com/office/drawing/2014/main" xmlns="" id="{BD525BAF-E852-4A11-AB23-44C92E8E6015}"/>
+                <a16:creationId xmlns="" xmlns:a16="http://schemas.microsoft.com/office/drawing/2014/main" id="{BD525BAF-E852-4A11-AB23-44C92E8E6015}"/>
               </a:ext>
             </a:extLst>
           </p:cNvPr>
@@ -5901,7 +5901,7 @@
           <p:cNvPr id="2" name="Title 1">
             <a:extLst>
               <a:ext uri="{FF2B5EF4-FFF2-40B4-BE49-F238E27FC236}">
-                <a16:creationId xmlns:a16="http://schemas.microsoft.com/office/drawing/2014/main" xmlns="" id="{2CE6710C-B90C-46E3-A5D1-44ACA2B4F65E}"/>
+                <a16:creationId xmlns="" xmlns:a16="http://schemas.microsoft.com/office/drawing/2014/main" id="{7FB9B436-10A5-4ECB-8384-F71E344ED68A}"/>
               </a:ext>
             </a:extLst>
           </p:cNvPr>
@@ -5919,7 +5919,7 @@
           <a:p>
             <a:r>
               <a:rPr lang="ro-RO" dirty="0"/>
-              <a:t>Practici bune de scriere de cod folosite</a:t>
+              <a:t>Serviciu emailuri</a:t>
             </a:r>
             <a:endParaRPr lang="en-US" dirty="0"/>
           </a:p>
@@ -5930,7 +5930,7 @@
           <p:cNvPr id="3" name="Content Placeholder 2">
             <a:extLst>
               <a:ext uri="{FF2B5EF4-FFF2-40B4-BE49-F238E27FC236}">
-                <a16:creationId xmlns:a16="http://schemas.microsoft.com/office/drawing/2014/main" xmlns="" id="{A0C2D071-CFC3-4DE3-972B-6DCF3EDE4B4E}"/>
+                <a16:creationId xmlns="" xmlns:a16="http://schemas.microsoft.com/office/drawing/2014/main" id="{19FF5783-2D6A-4E4E-B562-1AD3E67D2AFA}"/>
               </a:ext>
             </a:extLst>
           </p:cNvPr>
@@ -5947,73 +5947,31 @@
           <a:lstStyle/>
           <a:p>
             <a:r>
-              <a:rPr lang="en-US" dirty="0" err="1"/>
-              <a:t>Respectarea</a:t>
-            </a:r>
-            <a:r>
-              <a:rPr lang="en-US" dirty="0"/>
-              <a:t> </a:t>
-            </a:r>
-            <a:r>
-              <a:rPr lang="en-US" dirty="0" err="1"/>
-              <a:t>principiilor</a:t>
-            </a:r>
-            <a:r>
-              <a:rPr lang="en-US" dirty="0"/>
-              <a:t> de clean code</a:t>
-            </a:r>
-            <a:endParaRPr lang="ro-RO" dirty="0"/>
-          </a:p>
-          <a:p>
-            <a:r>
               <a:rPr lang="ro-RO" dirty="0"/>
-              <a:t>Folosirea de obiecte de transfer de date (DTO) pentru a prelua și returna date pe front-</a:t>
+              <a:t>În anumite cazuri sunt trimise emailuri din aplicație pentru înștiințarea utilizatorilor despre anumite evenimente</a:t>
+            </a:r>
+          </a:p>
+          <a:p>
+            <a:r>
+              <a:rPr lang="ro-RO" dirty="0"/>
+              <a:t>Serviciul folosit este </a:t>
             </a:r>
             <a:r>
               <a:rPr lang="ro-RO" dirty="0" err="1"/>
-              <a:t>end</a:t>
-            </a:r>
-            <a:endParaRPr lang="ro-RO" dirty="0"/>
-          </a:p>
-          <a:p>
+              <a:t>Gmail</a:t>
+            </a:r>
             <a:r>
               <a:rPr lang="ro-RO" dirty="0"/>
-              <a:t>Folosirea sistemului de injectare de dependințe pentru realizare </a:t>
-            </a:r>
-            <a:r>
-              <a:rPr lang="ro-RO" dirty="0" err="1"/>
-              <a:t>inversion</a:t>
-            </a:r>
-            <a:r>
-              <a:rPr lang="ro-RO" dirty="0"/>
-              <a:t> of control</a:t>
-            </a:r>
-            <a:endParaRPr lang="en-US" dirty="0"/>
-          </a:p>
-          <a:p>
-            <a:r>
-              <a:rPr lang="en-US" dirty="0" err="1"/>
-              <a:t>Interfa</a:t>
-            </a:r>
-            <a:r>
-              <a:rPr lang="ro-RO" dirty="0"/>
-              <a:t>ța grafică este făcută </a:t>
-            </a:r>
-            <a:r>
-              <a:rPr lang="ro-RO" dirty="0" err="1"/>
-              <a:t>responsive</a:t>
-            </a:r>
-            <a:r>
-              <a:rPr lang="ro-RO" dirty="0"/>
-              <a:t> pentru diferite tipuri de dispozitive (calculator, tabletă, telefon)</a:t>
-            </a:r>
+              <a:t> API</a:t>
+            </a:r>
+            <a:endParaRPr lang="en-US" dirty="0"/>
           </a:p>
         </p:txBody>
       </p:sp>
     </p:spTree>
     <p:extLst>
       <p:ext uri="{BB962C8B-B14F-4D97-AF65-F5344CB8AC3E}">
-        <p14:creationId xmlns:p14="http://schemas.microsoft.com/office/powerpoint/2010/main" val="855301186"/>
+        <p14:creationId xmlns:p14="http://schemas.microsoft.com/office/powerpoint/2010/main" val="1712535094"/>
       </p:ext>
     </p:extLst>
   </p:cSld>
@@ -6045,7 +6003,7 @@
           <p:cNvPr id="2" name="Title 1">
             <a:extLst>
               <a:ext uri="{FF2B5EF4-FFF2-40B4-BE49-F238E27FC236}">
-                <a16:creationId xmlns:a16="http://schemas.microsoft.com/office/drawing/2014/main" xmlns="" id="{6B42BA33-8AEF-4442-A1C9-29A57262EE91}"/>
+                <a16:creationId xmlns="" xmlns:a16="http://schemas.microsoft.com/office/drawing/2014/main" id="{E34B3B82-7FFB-4520-A664-15FD06C015DB}"/>
               </a:ext>
             </a:extLst>
           </p:cNvPr>
@@ -6062,8 +6020,8 @@
           <a:lstStyle/>
           <a:p>
             <a:r>
-              <a:rPr lang="ro-RO" dirty="0" err="1"/>
-              <a:t>Benefits</a:t>
+              <a:rPr lang="ro-RO" dirty="0"/>
+              <a:t>Serviciu plată rezervare</a:t>
             </a:r>
             <a:endParaRPr lang="en-US" dirty="0"/>
           </a:p>
@@ -6074,7 +6032,7 @@
           <p:cNvPr id="3" name="Content Placeholder 2">
             <a:extLst>
               <a:ext uri="{FF2B5EF4-FFF2-40B4-BE49-F238E27FC236}">
-                <a16:creationId xmlns:a16="http://schemas.microsoft.com/office/drawing/2014/main" xmlns="" id="{FB2F2012-B59F-4E50-99F4-87D466FED344}"/>
+                <a16:creationId xmlns="" xmlns:a16="http://schemas.microsoft.com/office/drawing/2014/main" id="{C0438D10-410B-43D1-B7CF-C695D26D611E}"/>
               </a:ext>
             </a:extLst>
           </p:cNvPr>
@@ -6091,61 +6049,60 @@
           <a:lstStyle/>
           <a:p>
             <a:r>
+              <a:rPr lang="ro-RO" dirty="0"/>
+              <a:t>Pentru ca un client al hotelului să finalizeze o rezervare este necesară efectuarea plății pentru acea rezervare</a:t>
+            </a:r>
+          </a:p>
+          <a:p>
+            <a:r>
+              <a:rPr lang="ro-RO" dirty="0"/>
+              <a:t>Plata este realizată prin </a:t>
+            </a:r>
+            <a:r>
               <a:rPr lang="ro-RO" dirty="0" err="1"/>
-              <a:t>Pros</a:t>
+              <a:t>PayPal</a:t>
+            </a:r>
+            <a:r>
+              <a:rPr lang="ro-RO" dirty="0"/>
+              <a:t> în mediul </a:t>
+            </a:r>
+            <a:r>
+              <a:rPr lang="ro-RO" dirty="0" err="1"/>
+              <a:t>sandbox</a:t>
             </a:r>
             <a:endParaRPr lang="ro-RO" dirty="0"/>
           </a:p>
           <a:p>
-            <a:pPr lvl="1"/>
-            <a:r>
-              <a:rPr lang="ro-RO" b="1" dirty="0"/>
-              <a:t>Modalitate de cazare la un hotel doar prin intermediul aplicației</a:t>
-            </a:r>
-          </a:p>
-          <a:p>
-            <a:pPr lvl="1"/>
-            <a:r>
-              <a:rPr lang="ro-RO" b="1" dirty="0"/>
-              <a:t>Comenzi room-service la care le poți vedea statusul actual</a:t>
-            </a:r>
-          </a:p>
-          <a:p>
-            <a:pPr lvl="1"/>
-            <a:r>
-              <a:rPr lang="ro-RO" b="1" dirty="0"/>
-              <a:t>Algoritm care să genereze prețul rezervării variabil</a:t>
-            </a:r>
-          </a:p>
-          <a:p>
+            <a:r>
+              <a:rPr lang="ro-RO" dirty="0"/>
+              <a:t>SDK </a:t>
+            </a:r>
             <a:r>
               <a:rPr lang="ro-RO" dirty="0" err="1"/>
-              <a:t>Cons</a:t>
-            </a:r>
-            <a:endParaRPr lang="ro-RO" dirty="0"/>
-          </a:p>
-          <a:p>
-            <a:pPr lvl="1"/>
-            <a:r>
-              <a:rPr lang="ro-RO" b="1" dirty="0"/>
-              <a:t>Lipsă posibilităților de a face rezervări pentru săli de ședința sau la evenimente de tip </a:t>
-            </a:r>
-            <a:r>
-              <a:rPr lang="ro-RO" b="1" dirty="0" err="1"/>
-              <a:t>spa</a:t>
-            </a:r>
-            <a:r>
-              <a:rPr lang="ro-RO" b="1" dirty="0"/>
-              <a:t> și masaj</a:t>
-            </a:r>
-            <a:endParaRPr lang="en-US" b="1" dirty="0"/>
+              <a:t>PayPal</a:t>
+            </a:r>
+            <a:r>
+              <a:rPr lang="ro-RO" dirty="0"/>
+              <a:t> pentru Java</a:t>
+            </a:r>
+            <a:r>
+              <a:rPr lang="en-US" dirty="0"/>
+              <a:t>: </a:t>
+            </a:r>
+            <a:r>
+              <a:rPr lang="en-US" dirty="0">
+                <a:hlinkClick r:id="rId2"/>
+              </a:rPr>
+              <a:t>https://github.com/paypal/PayPal-Java-SDK</a:t>
+            </a:r>
+            <a:endParaRPr lang="en-US" dirty="0"/>
           </a:p>
         </p:txBody>
       </p:sp>
     </p:spTree>
     <p:extLst>
       <p:ext uri="{BB962C8B-B14F-4D97-AF65-F5344CB8AC3E}">
-        <p14:creationId xmlns:p14="http://schemas.microsoft.com/office/powerpoint/2010/main" val="3745853220"/>
+        <p14:creationId xmlns:p14="http://schemas.microsoft.com/office/powerpoint/2010/main" val="272181574"/>
       </p:ext>
     </p:extLst>
   </p:cSld>
@@ -6177,7 +6134,7 @@
           <p:cNvPr id="2" name="Title 1">
             <a:extLst>
               <a:ext uri="{FF2B5EF4-FFF2-40B4-BE49-F238E27FC236}">
-                <a16:creationId xmlns:a16="http://schemas.microsoft.com/office/drawing/2014/main" xmlns="" id="{8A66CB61-58CD-4F3C-B2E3-FC0A6788500E}"/>
+                <a16:creationId xmlns="" xmlns:a16="http://schemas.microsoft.com/office/drawing/2014/main" id="{8A66CB61-58CD-4F3C-B2E3-FC0A6788500E}"/>
               </a:ext>
             </a:extLst>
           </p:cNvPr>
@@ -6206,7 +6163,7 @@
           <p:cNvPr id="3" name="Content Placeholder 2">
             <a:extLst>
               <a:ext uri="{FF2B5EF4-FFF2-40B4-BE49-F238E27FC236}">
-                <a16:creationId xmlns:a16="http://schemas.microsoft.com/office/drawing/2014/main" xmlns="" id="{DABFDA38-D77E-420E-92D4-3A7BF5945C73}"/>
+                <a16:creationId xmlns="" xmlns:a16="http://schemas.microsoft.com/office/drawing/2014/main" id="{DABFDA38-D77E-420E-92D4-3A7BF5945C73}"/>
               </a:ext>
             </a:extLst>
           </p:cNvPr>
@@ -6294,7 +6251,7 @@
           <p:cNvPr id="2" name="Title 1">
             <a:extLst>
               <a:ext uri="{FF2B5EF4-FFF2-40B4-BE49-F238E27FC236}">
-                <a16:creationId xmlns:a16="http://schemas.microsoft.com/office/drawing/2014/main" xmlns="" id="{E97B96CA-B31C-416D-B565-8055A6E19D94}"/>
+                <a16:creationId xmlns="" xmlns:a16="http://schemas.microsoft.com/office/drawing/2014/main" id="{E97B96CA-B31C-416D-B565-8055A6E19D94}"/>
               </a:ext>
             </a:extLst>
           </p:cNvPr>
@@ -6323,7 +6280,7 @@
           <p:cNvPr id="3" name="Content Placeholder 2">
             <a:extLst>
               <a:ext uri="{FF2B5EF4-FFF2-40B4-BE49-F238E27FC236}">
-                <a16:creationId xmlns:a16="http://schemas.microsoft.com/office/drawing/2014/main" xmlns="" id="{8C5E9D3B-D9A8-46CC-B470-CE8C3DB5A06C}"/>
+                <a16:creationId xmlns="" xmlns:a16="http://schemas.microsoft.com/office/drawing/2014/main" id="{8C5E9D3B-D9A8-46CC-B470-CE8C3DB5A06C}"/>
               </a:ext>
             </a:extLst>
           </p:cNvPr>
@@ -6334,9 +6291,16 @@
             <p:ph idx="1"/>
           </p:nvPr>
         </p:nvSpPr>
-        <p:spPr/>
-        <p:txBody>
-          <a:bodyPr/>
+        <p:spPr>
+          <a:xfrm>
+            <a:off x="609600" y="1371600"/>
+            <a:ext cx="8596668" cy="5105400"/>
+          </a:xfrm>
+        </p:spPr>
+        <p:txBody>
+          <a:bodyPr>
+            <a:normAutofit/>
+          </a:bodyPr>
           <a:lstStyle/>
           <a:p>
             <a:r>
@@ -6352,15 +6316,15 @@
           </a:p>
           <a:p>
             <a:r>
-              <a:rPr lang="ro-RO" smtClean="0"/>
+              <a:rPr lang="ro-RO" dirty="0" smtClean="0"/>
               <a:t>Responsiv</a:t>
             </a:r>
             <a:r>
-              <a:rPr lang="ro-RO"/>
+              <a:rPr lang="ro-RO" dirty="0"/>
               <a:t>ă</a:t>
             </a:r>
             <a:r>
-              <a:rPr lang="ro-RO" smtClean="0"/>
+              <a:rPr lang="ro-RO" dirty="0" smtClean="0"/>
               <a:t> </a:t>
             </a:r>
             <a:r>
@@ -6371,8 +6335,50 @@
           <a:p>
             <a:r>
               <a:rPr lang="ro-RO" dirty="0"/>
-              <a:t>Codul este scris să fie ușor de înțeles și dezvoltat mai departe pentru adăugarea de noi funcționalități</a:t>
-            </a:r>
+              <a:t>Codul este scris să fie ușor de înțeles și dezvoltat mai departe pentru adăugarea de noi </a:t>
+            </a:r>
+            <a:r>
+              <a:rPr lang="ro-RO" dirty="0" smtClean="0"/>
+              <a:t>funcționalități</a:t>
+            </a:r>
+          </a:p>
+          <a:p>
+            <a:r>
+              <a:rPr lang="ro-RO" dirty="0" smtClean="0"/>
+              <a:t>Idei de viitor</a:t>
+            </a:r>
+          </a:p>
+          <a:p>
+            <a:pPr lvl="1"/>
+            <a:r>
+              <a:rPr lang="ro-RO" sz="1500" dirty="0" smtClean="0"/>
+              <a:t>Adăugarea posbilităților de a face rezervări la anumite săli de conferință și la evenimente de tip spa și masaj</a:t>
+            </a:r>
+          </a:p>
+          <a:p>
+            <a:pPr lvl="1"/>
+            <a:r>
+              <a:rPr lang="ro-RO" sz="1500" dirty="0" smtClean="0"/>
+              <a:t>Adăugarea unui nou criteriu pentru calculare a prețului rezervării prin preluarea informațiilor legate de prețul camerelor de la alte hoteluri din zonă</a:t>
+            </a:r>
+          </a:p>
+          <a:p>
+            <a:pPr lvl="1"/>
+            <a:r>
+              <a:rPr lang="ro-RO" sz="1500" dirty="0" smtClean="0"/>
+              <a:t>Adăugarea unui mecanism pentru menținere a produselor consumate pe baza căruia să se folosească un algoritm de învățare automată pentru a prezice stocul pe viitor</a:t>
+            </a:r>
+          </a:p>
+          <a:p>
+            <a:pPr lvl="1"/>
+            <a:endParaRPr lang="ro-RO" dirty="0" smtClean="0"/>
+          </a:p>
+          <a:p>
+            <a:pPr lvl="1"/>
+            <a:endParaRPr lang="ro-RO" dirty="0" smtClean="0"/>
+          </a:p>
+          <a:p>
+            <a:pPr lvl="1"/>
             <a:endParaRPr lang="en-US" dirty="0"/>
           </a:p>
         </p:txBody>
@@ -6412,7 +6418,7 @@
           <p:cNvPr id="2" name="Title 1">
             <a:extLst>
               <a:ext uri="{FF2B5EF4-FFF2-40B4-BE49-F238E27FC236}">
-                <a16:creationId xmlns:a16="http://schemas.microsoft.com/office/drawing/2014/main" xmlns="" id="{5FAAB929-7066-45DF-86DA-DAC367592F15}"/>
+                <a16:creationId xmlns="" xmlns:a16="http://schemas.microsoft.com/office/drawing/2014/main" id="{5FAAB929-7066-45DF-86DA-DAC367592F15}"/>
               </a:ext>
             </a:extLst>
           </p:cNvPr>
@@ -6441,7 +6447,7 @@
           <p:cNvPr id="3" name="Content Placeholder 2">
             <a:extLst>
               <a:ext uri="{FF2B5EF4-FFF2-40B4-BE49-F238E27FC236}">
-                <a16:creationId xmlns:a16="http://schemas.microsoft.com/office/drawing/2014/main" xmlns="" id="{68DC8E45-F4E1-4697-A77A-E5E4D523FA8E}"/>
+                <a16:creationId xmlns="" xmlns:a16="http://schemas.microsoft.com/office/drawing/2014/main" id="{68DC8E45-F4E1-4697-A77A-E5E4D523FA8E}"/>
               </a:ext>
             </a:extLst>
           </p:cNvPr>
@@ -6460,16 +6466,41 @@
         </p:spPr>
         <p:txBody>
           <a:bodyPr>
-            <a:normAutofit/>
+            <a:normAutofit fontScale="92500" lnSpcReduction="20000"/>
           </a:bodyPr>
           <a:lstStyle/>
           <a:p>
             <a:r>
-              <a:rPr lang="en-US" dirty="0"/>
-              <a:t>Context</a:t>
-            </a:r>
-          </a:p>
-          <a:p>
+              <a:rPr lang="en-US" dirty="0" err="1" smtClean="0"/>
+              <a:t>Introducere</a:t>
+            </a:r>
+            <a:endParaRPr lang="ro-RO" dirty="0" smtClean="0"/>
+          </a:p>
+          <a:p>
+            <a:r>
+              <a:rPr lang="ro-RO" dirty="0" smtClean="0"/>
+              <a:t>Contribuții</a:t>
+            </a:r>
+          </a:p>
+          <a:p>
+            <a:r>
+              <a:rPr lang="ro-RO" dirty="0" smtClean="0"/>
+              <a:t>Descrierea problemei</a:t>
+            </a:r>
+          </a:p>
+          <a:p>
+            <a:pPr lvl="1"/>
+            <a:r>
+              <a:rPr lang="ro-RO" dirty="0"/>
+              <a:t>Tehnologii </a:t>
+            </a:r>
+            <a:r>
+              <a:rPr lang="ro-RO" dirty="0" smtClean="0"/>
+              <a:t>folosite</a:t>
+            </a:r>
+          </a:p>
+          <a:p>
+            <a:pPr lvl="1"/>
             <a:r>
               <a:rPr lang="en-US" dirty="0"/>
               <a:t>Diagram</a:t>
@@ -6478,56 +6509,69 @@
               <a:rPr lang="ro-RO" dirty="0"/>
               <a:t>ă containere aplicație</a:t>
             </a:r>
-          </a:p>
-          <a:p>
+            <a:endParaRPr lang="ro-RO" dirty="0" smtClean="0"/>
+          </a:p>
+          <a:p>
+            <a:pPr lvl="1"/>
             <a:r>
               <a:rPr lang="ro-RO" dirty="0"/>
-              <a:t>Tehnologii folosite</a:t>
-            </a:r>
-          </a:p>
-          <a:p>
+              <a:t>Structură aplicație </a:t>
+            </a:r>
+            <a:r>
+              <a:rPr lang="ro-RO" dirty="0" smtClean="0"/>
+              <a:t>back-end</a:t>
+            </a:r>
+          </a:p>
+          <a:p>
+            <a:pPr lvl="1"/>
+            <a:r>
+              <a:rPr lang="ro-RO" dirty="0" smtClean="0"/>
+              <a:t>Bune practici de </a:t>
+            </a:r>
             <a:r>
               <a:rPr lang="ro-RO" dirty="0"/>
-              <a:t>Structură aplicație back-</a:t>
-            </a:r>
-            <a:r>
-              <a:rPr lang="ro-RO" dirty="0" err="1"/>
-              <a:t>end</a:t>
+              <a:t>scriere de cod folosite</a:t>
+            </a:r>
+            <a:r>
+              <a:rPr lang="ro-RO" dirty="0" smtClean="0"/>
+              <a:t> </a:t>
+            </a:r>
+          </a:p>
+          <a:p>
+            <a:r>
+              <a:rPr lang="ro-RO" dirty="0" smtClean="0"/>
+              <a:t>Descrierea soluție</a:t>
             </a:r>
             <a:endParaRPr lang="ro-RO" dirty="0"/>
           </a:p>
           <a:p>
+            <a:pPr lvl="1"/>
             <a:r>
               <a:rPr lang="ro-RO" dirty="0"/>
               <a:t>Algoritm generare preț rezervare</a:t>
             </a:r>
           </a:p>
           <a:p>
+            <a:pPr lvl="1"/>
             <a:r>
               <a:rPr lang="ro-RO" dirty="0"/>
               <a:t>Serviciu emailuri</a:t>
             </a:r>
           </a:p>
           <a:p>
+            <a:pPr lvl="1"/>
             <a:r>
               <a:rPr lang="ro-RO" dirty="0"/>
-              <a:t>Serviciu plată rezervare</a:t>
-            </a:r>
-          </a:p>
-          <a:p>
-            <a:r>
-              <a:rPr lang="ro-RO" dirty="0"/>
-              <a:t>Practici bune de scriere de cod folosite</a:t>
-            </a:r>
-          </a:p>
-          <a:p>
-            <a:r>
-              <a:rPr lang="ro-RO" dirty="0" err="1"/>
-              <a:t>Benefits</a:t>
+              <a:t>Serviciu plată </a:t>
+            </a:r>
+            <a:r>
+              <a:rPr lang="ro-RO" dirty="0" smtClean="0"/>
+              <a:t>rezervare</a:t>
             </a:r>
             <a:endParaRPr lang="ro-RO" dirty="0"/>
           </a:p>
           <a:p>
+            <a:pPr lvl="1"/>
             <a:r>
               <a:rPr lang="ro-RO" dirty="0" err="1"/>
               <a:t>Demo</a:t>
@@ -6578,7 +6622,7 @@
           <p:cNvPr id="2" name="Title 1">
             <a:extLst>
               <a:ext uri="{FF2B5EF4-FFF2-40B4-BE49-F238E27FC236}">
-                <a16:creationId xmlns:a16="http://schemas.microsoft.com/office/drawing/2014/main" xmlns="" id="{24A9F888-C8F2-4308-A61B-353F13B87179}"/>
+                <a16:creationId xmlns="" xmlns:a16="http://schemas.microsoft.com/office/drawing/2014/main" id="{24A9F888-C8F2-4308-A61B-353F13B87179}"/>
               </a:ext>
             </a:extLst>
           </p:cNvPr>
@@ -6595,9 +6639,10 @@
           <a:lstStyle/>
           <a:p>
             <a:r>
-              <a:rPr lang="en-US" dirty="0"/>
-              <a:t>Context</a:t>
-            </a:r>
+              <a:rPr lang="en-US" dirty="0" err="1" smtClean="0"/>
+              <a:t>Introducere</a:t>
+            </a:r>
+            <a:endParaRPr lang="en-US" dirty="0"/>
           </a:p>
         </p:txBody>
       </p:sp>
@@ -6606,7 +6651,7 @@
           <p:cNvPr id="3" name="Content Placeholder 2">
             <a:extLst>
               <a:ext uri="{FF2B5EF4-FFF2-40B4-BE49-F238E27FC236}">
-                <a16:creationId xmlns:a16="http://schemas.microsoft.com/office/drawing/2014/main" xmlns="" id="{8AF9C85E-2A8F-43C9-ABC8-341963DF6B62}"/>
+                <a16:creationId xmlns="" xmlns:a16="http://schemas.microsoft.com/office/drawing/2014/main" id="{8AF9C85E-2A8F-43C9-ABC8-341963DF6B62}"/>
               </a:ext>
             </a:extLst>
           </p:cNvPr>
@@ -6757,7 +6802,398 @@
           <p:cNvPr id="2" name="Title 1">
             <a:extLst>
               <a:ext uri="{FF2B5EF4-FFF2-40B4-BE49-F238E27FC236}">
-                <a16:creationId xmlns:a16="http://schemas.microsoft.com/office/drawing/2014/main" xmlns="" id="{08F7DFE8-FD28-47EE-931F-9D3F25AD3EB6}"/>
+                <a16:creationId xmlns="" xmlns:a16="http://schemas.microsoft.com/office/drawing/2014/main" id="{6B42BA33-8AEF-4442-A1C9-29A57262EE91}"/>
+              </a:ext>
+            </a:extLst>
+          </p:cNvPr>
+          <p:cNvSpPr>
+            <a:spLocks noGrp="1"/>
+          </p:cNvSpPr>
+          <p:nvPr>
+            <p:ph type="title"/>
+          </p:nvPr>
+        </p:nvSpPr>
+        <p:spPr/>
+        <p:txBody>
+          <a:bodyPr/>
+          <a:lstStyle/>
+          <a:p>
+            <a:r>
+              <a:rPr lang="en-US" dirty="0" err="1" smtClean="0"/>
+              <a:t>Contribu</a:t>
+            </a:r>
+            <a:r>
+              <a:rPr lang="ro-RO" dirty="0" smtClean="0"/>
+              <a:t>ții</a:t>
+            </a:r>
+            <a:endParaRPr lang="en-US" dirty="0"/>
+          </a:p>
+        </p:txBody>
+      </p:sp>
+      <p:sp>
+        <p:nvSpPr>
+          <p:cNvPr id="3" name="Content Placeholder 2">
+            <a:extLst>
+              <a:ext uri="{FF2B5EF4-FFF2-40B4-BE49-F238E27FC236}">
+                <a16:creationId xmlns="" xmlns:a16="http://schemas.microsoft.com/office/drawing/2014/main" id="{FB2F2012-B59F-4E50-99F4-87D466FED344}"/>
+              </a:ext>
+            </a:extLst>
+          </p:cNvPr>
+          <p:cNvSpPr>
+            <a:spLocks noGrp="1"/>
+          </p:cNvSpPr>
+          <p:nvPr>
+            <p:ph idx="1"/>
+          </p:nvPr>
+        </p:nvSpPr>
+        <p:spPr/>
+        <p:txBody>
+          <a:bodyPr/>
+          <a:lstStyle/>
+          <a:p>
+            <a:pPr marL="342900" lvl="1" indent="-342900"/>
+            <a:endParaRPr lang="ro-RO" sz="1800" b="1" dirty="0" smtClean="0"/>
+          </a:p>
+          <a:p>
+            <a:pPr marL="342900" lvl="1" indent="-342900"/>
+            <a:r>
+              <a:rPr lang="ro-RO" sz="1800" b="1" dirty="0" smtClean="0"/>
+              <a:t>Modalitate </a:t>
+            </a:r>
+            <a:r>
+              <a:rPr lang="ro-RO" sz="1800" b="1" dirty="0"/>
+              <a:t>de cazare la un hotel doar prin intermediul aplicației</a:t>
+            </a:r>
+          </a:p>
+          <a:p>
+            <a:pPr marL="342900" lvl="1" indent="-342900"/>
+            <a:r>
+              <a:rPr lang="ro-RO" sz="1800" b="1" dirty="0"/>
+              <a:t>Comenzi room-service la care le poți vedea statusul </a:t>
+            </a:r>
+            <a:r>
+              <a:rPr lang="ro-RO" sz="1800" b="1" dirty="0" smtClean="0"/>
+              <a:t>actual</a:t>
+            </a:r>
+          </a:p>
+          <a:p>
+            <a:pPr marL="342900" lvl="1" indent="-342900"/>
+            <a:r>
+              <a:rPr lang="ro-RO" sz="1800" b="1" dirty="0" smtClean="0"/>
+              <a:t>Camere și alimente configurabile prin aplicație de utilizatorii de tip admin</a:t>
+            </a:r>
+            <a:endParaRPr lang="ro-RO" sz="1800" b="1" dirty="0"/>
+          </a:p>
+          <a:p>
+            <a:pPr marL="342900" lvl="1" indent="-342900"/>
+            <a:r>
+              <a:rPr lang="ro-RO" sz="1800" b="1" dirty="0"/>
+              <a:t>Algoritm care să genereze prețul rezervării </a:t>
+            </a:r>
+            <a:r>
+              <a:rPr lang="ro-RO" sz="1800" b="1" dirty="0" smtClean="0"/>
+              <a:t>variabil</a:t>
+            </a:r>
+          </a:p>
+          <a:p>
+            <a:pPr marL="342900" lvl="1" indent="-342900"/>
+            <a:endParaRPr lang="ro-RO" b="1" dirty="0"/>
+          </a:p>
+        </p:txBody>
+      </p:sp>
+    </p:spTree>
+    <p:extLst>
+      <p:ext uri="{BB962C8B-B14F-4D97-AF65-F5344CB8AC3E}">
+        <p14:creationId xmlns:p14="http://schemas.microsoft.com/office/powerpoint/2010/main" val="3745853220"/>
+      </p:ext>
+    </p:extLst>
+  </p:cSld>
+  <p:clrMapOvr>
+    <a:masterClrMapping/>
+  </p:clrMapOvr>
+</p:sld>
+</file>
+
+<file path=ppt/slides/slide5.xml><?xml version="1.0" encoding="utf-8"?>
+<p:sld xmlns:a="http://schemas.openxmlformats.org/drawingml/2006/main" xmlns:r="http://schemas.openxmlformats.org/officeDocument/2006/relationships" xmlns:p="http://schemas.openxmlformats.org/presentationml/2006/main">
+  <p:cSld>
+    <p:spTree>
+      <p:nvGrpSpPr>
+        <p:cNvPr id="1" name=""/>
+        <p:cNvGrpSpPr/>
+        <p:nvPr/>
+      </p:nvGrpSpPr>
+      <p:grpSpPr>
+        <a:xfrm>
+          <a:off x="0" y="0"/>
+          <a:ext cx="0" cy="0"/>
+          <a:chOff x="0" y="0"/>
+          <a:chExt cx="0" cy="0"/>
+        </a:xfrm>
+      </p:grpSpPr>
+      <p:sp>
+        <p:nvSpPr>
+          <p:cNvPr id="2" name="Title 1">
+            <a:extLst>
+              <a:ext uri="{FF2B5EF4-FFF2-40B4-BE49-F238E27FC236}">
+                <a16:creationId xmlns="" xmlns:a16="http://schemas.microsoft.com/office/drawing/2014/main" id="{BEE9AE76-6853-4782-92D3-F61E266B53C7}"/>
+              </a:ext>
+            </a:extLst>
+          </p:cNvPr>
+          <p:cNvSpPr>
+            <a:spLocks noGrp="1"/>
+          </p:cNvSpPr>
+          <p:nvPr>
+            <p:ph type="title"/>
+          </p:nvPr>
+        </p:nvSpPr>
+        <p:spPr>
+          <a:xfrm>
+            <a:off x="677334" y="609600"/>
+            <a:ext cx="8596668" cy="851770"/>
+          </a:xfrm>
+        </p:spPr>
+        <p:txBody>
+          <a:bodyPr/>
+          <a:lstStyle/>
+          <a:p>
+            <a:r>
+              <a:rPr lang="en-US" dirty="0" err="1"/>
+              <a:t>Tehnologii</a:t>
+            </a:r>
+            <a:r>
+              <a:rPr lang="en-US" dirty="0"/>
+              <a:t> </a:t>
+            </a:r>
+            <a:r>
+              <a:rPr lang="en-US" dirty="0" err="1"/>
+              <a:t>folosite</a:t>
+            </a:r>
+            <a:endParaRPr lang="en-US" dirty="0"/>
+          </a:p>
+        </p:txBody>
+      </p:sp>
+      <p:sp>
+        <p:nvSpPr>
+          <p:cNvPr id="3" name="Content Placeholder 2">
+            <a:extLst>
+              <a:ext uri="{FF2B5EF4-FFF2-40B4-BE49-F238E27FC236}">
+                <a16:creationId xmlns="" xmlns:a16="http://schemas.microsoft.com/office/drawing/2014/main" id="{A15B9EE9-E041-484A-BBAC-C31DBFE5A41E}"/>
+              </a:ext>
+            </a:extLst>
+          </p:cNvPr>
+          <p:cNvSpPr>
+            <a:spLocks noGrp="1"/>
+          </p:cNvSpPr>
+          <p:nvPr>
+            <p:ph idx="1"/>
+          </p:nvPr>
+        </p:nvSpPr>
+        <p:spPr>
+          <a:xfrm>
+            <a:off x="677334" y="1813665"/>
+            <a:ext cx="8596668" cy="4227698"/>
+          </a:xfrm>
+        </p:spPr>
+        <p:txBody>
+          <a:bodyPr>
+            <a:normAutofit/>
+          </a:bodyPr>
+          <a:lstStyle/>
+          <a:p>
+            <a:r>
+              <a:rPr lang="en-US" dirty="0" smtClean="0"/>
+              <a:t>F</a:t>
+            </a:r>
+            <a:r>
+              <a:rPr lang="ro-RO" dirty="0" smtClean="0"/>
+              <a:t>ron</a:t>
+            </a:r>
+            <a:r>
+              <a:rPr lang="en-US" dirty="0" smtClean="0"/>
+              <a:t>t-end</a:t>
+            </a:r>
+            <a:endParaRPr lang="en-US" dirty="0"/>
+          </a:p>
+          <a:p>
+            <a:pPr lvl="1"/>
+            <a:r>
+              <a:rPr lang="en-US" b="1" dirty="0" err="1"/>
+              <a:t>Frameworkul</a:t>
+            </a:r>
+            <a:r>
+              <a:rPr lang="en-US" b="1" dirty="0"/>
+              <a:t> Angular</a:t>
+            </a:r>
+          </a:p>
+          <a:p>
+            <a:pPr lvl="1"/>
+            <a:r>
+              <a:rPr lang="en-US" b="1" dirty="0" err="1"/>
+              <a:t>Limbajul</a:t>
+            </a:r>
+            <a:r>
+              <a:rPr lang="en-US" b="1" dirty="0"/>
+              <a:t> de </a:t>
+            </a:r>
+            <a:r>
+              <a:rPr lang="en-US" b="1" dirty="0" err="1"/>
+              <a:t>programare</a:t>
+            </a:r>
+            <a:r>
+              <a:rPr lang="en-US" b="1" dirty="0"/>
+              <a:t> TypeScript</a:t>
+            </a:r>
+          </a:p>
+          <a:p>
+            <a:pPr lvl="1"/>
+            <a:r>
+              <a:rPr lang="en-US" b="1" dirty="0" err="1"/>
+              <a:t>Limbajul</a:t>
+            </a:r>
+            <a:r>
+              <a:rPr lang="en-US" b="1" dirty="0"/>
+              <a:t> de scripting HTML5</a:t>
+            </a:r>
+          </a:p>
+          <a:p>
+            <a:pPr lvl="1"/>
+            <a:r>
+              <a:rPr lang="en-US" b="1" dirty="0" err="1"/>
+              <a:t>Limbajul</a:t>
+            </a:r>
+            <a:r>
+              <a:rPr lang="en-US" b="1" dirty="0"/>
+              <a:t> de </a:t>
+            </a:r>
+            <a:r>
+              <a:rPr lang="en-US" b="1" dirty="0" err="1"/>
+              <a:t>modelare</a:t>
+            </a:r>
+            <a:r>
+              <a:rPr lang="en-US" b="1" dirty="0"/>
+              <a:t> CSS3</a:t>
+            </a:r>
+          </a:p>
+          <a:p>
+            <a:r>
+              <a:rPr lang="en-US" dirty="0"/>
+              <a:t>Back-end</a:t>
+            </a:r>
+          </a:p>
+          <a:p>
+            <a:pPr lvl="1"/>
+            <a:r>
+              <a:rPr lang="en-US" b="1" dirty="0" err="1"/>
+              <a:t>Limbajul</a:t>
+            </a:r>
+            <a:r>
+              <a:rPr lang="en-US" b="1" dirty="0"/>
+              <a:t> de </a:t>
+            </a:r>
+            <a:r>
+              <a:rPr lang="en-US" b="1" dirty="0" err="1"/>
+              <a:t>programare</a:t>
+            </a:r>
+            <a:r>
+              <a:rPr lang="en-US" b="1" dirty="0"/>
+              <a:t> Java 8</a:t>
+            </a:r>
+          </a:p>
+          <a:p>
+            <a:pPr lvl="1"/>
+            <a:r>
+              <a:rPr lang="en-US" b="1" dirty="0"/>
+              <a:t>ORM-</a:t>
+            </a:r>
+            <a:r>
+              <a:rPr lang="en-US" b="1" dirty="0" err="1"/>
+              <a:t>ul</a:t>
+            </a:r>
+            <a:r>
+              <a:rPr lang="en-US" b="1" dirty="0"/>
+              <a:t> Hibernate</a:t>
+            </a:r>
+          </a:p>
+          <a:p>
+            <a:pPr lvl="1"/>
+            <a:r>
+              <a:rPr lang="en-US" b="1" dirty="0" err="1"/>
+              <a:t>Frameworkul</a:t>
+            </a:r>
+            <a:r>
+              <a:rPr lang="en-US" b="1" dirty="0"/>
+              <a:t> Spring</a:t>
+            </a:r>
+          </a:p>
+          <a:p>
+            <a:pPr lvl="1"/>
+            <a:r>
+              <a:rPr lang="en-US" b="1" dirty="0" err="1"/>
+              <a:t>Frameworkul</a:t>
+            </a:r>
+            <a:r>
+              <a:rPr lang="en-US" b="1" dirty="0"/>
+              <a:t> de </a:t>
+            </a:r>
+            <a:r>
+              <a:rPr lang="en-US" b="1" dirty="0" err="1"/>
+              <a:t>testare</a:t>
+            </a:r>
+            <a:r>
+              <a:rPr lang="en-US" b="1" dirty="0"/>
+              <a:t> JUnit</a:t>
+            </a:r>
+          </a:p>
+          <a:p>
+            <a:r>
+              <a:rPr lang="en-US" dirty="0" err="1"/>
+              <a:t>Baza</a:t>
+            </a:r>
+            <a:r>
+              <a:rPr lang="en-US" dirty="0"/>
+              <a:t> de date PostgreSQL</a:t>
+            </a:r>
+            <a:endParaRPr lang="en-US" b="1" dirty="0"/>
+          </a:p>
+        </p:txBody>
+      </p:sp>
+    </p:spTree>
+    <p:extLst>
+      <p:ext uri="{BB962C8B-B14F-4D97-AF65-F5344CB8AC3E}">
+        <p14:creationId xmlns:p14="http://schemas.microsoft.com/office/powerpoint/2010/main" val="4239215070"/>
+      </p:ext>
+    </p:extLst>
+  </p:cSld>
+  <p:clrMapOvr>
+    <a:masterClrMapping/>
+  </p:clrMapOvr>
+</p:sld>
+</file>
+
+<file path=ppt/slides/slide6.xml><?xml version="1.0" encoding="utf-8"?>
+<p:sld xmlns:a="http://schemas.openxmlformats.org/drawingml/2006/main" xmlns:r="http://schemas.openxmlformats.org/officeDocument/2006/relationships" xmlns:p="http://schemas.openxmlformats.org/presentationml/2006/main">
+  <p:cSld>
+    <p:spTree>
+      <p:nvGrpSpPr>
+        <p:cNvPr id="1" name=""/>
+        <p:cNvGrpSpPr/>
+        <p:nvPr/>
+      </p:nvGrpSpPr>
+      <p:grpSpPr>
+        <a:xfrm>
+          <a:off x="0" y="0"/>
+          <a:ext cx="0" cy="0"/>
+          <a:chOff x="0" y="0"/>
+          <a:chExt cx="0" cy="0"/>
+        </a:xfrm>
+      </p:grpSpPr>
+      <p:sp>
+        <p:nvSpPr>
+          <p:cNvPr id="2" name="Title 1">
+            <a:extLst>
+              <a:ext uri="{FF2B5EF4-FFF2-40B4-BE49-F238E27FC236}">
+                <a16:creationId xmlns="" xmlns:a16="http://schemas.microsoft.com/office/drawing/2014/main" id="{08F7DFE8-FD28-47EE-931F-9D3F25AD3EB6}"/>
               </a:ext>
             </a:extLst>
           </p:cNvPr>
@@ -6795,7 +7231,7 @@
           <p:cNvPr id="6" name="Picture 6">
             <a:extLst>
               <a:ext uri="{FF2B5EF4-FFF2-40B4-BE49-F238E27FC236}">
-                <a16:creationId xmlns:a16="http://schemas.microsoft.com/office/drawing/2014/main" xmlns="" id="{C13D896D-F964-48DD-96AE-8F2FBA2EA1BB}"/>
+                <a16:creationId xmlns="" xmlns:a16="http://schemas.microsoft.com/office/drawing/2014/main" id="{C13D896D-F964-48DD-96AE-8F2FBA2EA1BB}"/>
               </a:ext>
             </a:extLst>
           </p:cNvPr>
@@ -6835,366 +7271,6 @@
 </p:sld>
 </file>
 
-<file path=ppt/slides/slide5.xml><?xml version="1.0" encoding="utf-8"?>
-<p:sld xmlns:a="http://schemas.openxmlformats.org/drawingml/2006/main" xmlns:r="http://schemas.openxmlformats.org/officeDocument/2006/relationships" xmlns:p="http://schemas.openxmlformats.org/presentationml/2006/main">
-  <p:cSld>
-    <p:spTree>
-      <p:nvGrpSpPr>
-        <p:cNvPr id="1" name=""/>
-        <p:cNvGrpSpPr/>
-        <p:nvPr/>
-      </p:nvGrpSpPr>
-      <p:grpSpPr>
-        <a:xfrm>
-          <a:off x="0" y="0"/>
-          <a:ext cx="0" cy="0"/>
-          <a:chOff x="0" y="0"/>
-          <a:chExt cx="0" cy="0"/>
-        </a:xfrm>
-      </p:grpSpPr>
-      <p:sp>
-        <p:nvSpPr>
-          <p:cNvPr id="2" name="Title 1">
-            <a:extLst>
-              <a:ext uri="{FF2B5EF4-FFF2-40B4-BE49-F238E27FC236}">
-                <a16:creationId xmlns:a16="http://schemas.microsoft.com/office/drawing/2014/main" xmlns="" id="{BEE9AE76-6853-4782-92D3-F61E266B53C7}"/>
-              </a:ext>
-            </a:extLst>
-          </p:cNvPr>
-          <p:cNvSpPr>
-            <a:spLocks noGrp="1"/>
-          </p:cNvSpPr>
-          <p:nvPr>
-            <p:ph type="title"/>
-          </p:nvPr>
-        </p:nvSpPr>
-        <p:spPr>
-          <a:xfrm>
-            <a:off x="677334" y="609600"/>
-            <a:ext cx="8596668" cy="851770"/>
-          </a:xfrm>
-        </p:spPr>
-        <p:txBody>
-          <a:bodyPr/>
-          <a:lstStyle/>
-          <a:p>
-            <a:r>
-              <a:rPr lang="en-US" dirty="0" err="1"/>
-              <a:t>Tehnologii</a:t>
-            </a:r>
-            <a:r>
-              <a:rPr lang="en-US" dirty="0"/>
-              <a:t> </a:t>
-            </a:r>
-            <a:r>
-              <a:rPr lang="en-US" dirty="0" err="1"/>
-              <a:t>folosite</a:t>
-            </a:r>
-            <a:endParaRPr lang="en-US" dirty="0"/>
-          </a:p>
-        </p:txBody>
-      </p:sp>
-      <p:sp>
-        <p:nvSpPr>
-          <p:cNvPr id="3" name="Content Placeholder 2">
-            <a:extLst>
-              <a:ext uri="{FF2B5EF4-FFF2-40B4-BE49-F238E27FC236}">
-                <a16:creationId xmlns:a16="http://schemas.microsoft.com/office/drawing/2014/main" xmlns="" id="{A15B9EE9-E041-484A-BBAC-C31DBFE5A41E}"/>
-              </a:ext>
-            </a:extLst>
-          </p:cNvPr>
-          <p:cNvSpPr>
-            <a:spLocks noGrp="1"/>
-          </p:cNvSpPr>
-          <p:nvPr>
-            <p:ph idx="1"/>
-          </p:nvPr>
-        </p:nvSpPr>
-        <p:spPr>
-          <a:xfrm>
-            <a:off x="677334" y="1813665"/>
-            <a:ext cx="8596668" cy="4227698"/>
-          </a:xfrm>
-        </p:spPr>
-        <p:txBody>
-          <a:bodyPr>
-            <a:normAutofit/>
-          </a:bodyPr>
-          <a:lstStyle/>
-          <a:p>
-            <a:r>
-              <a:rPr lang="en-US" dirty="0" err="1"/>
-              <a:t>Fornt</a:t>
-            </a:r>
-            <a:r>
-              <a:rPr lang="en-US" dirty="0"/>
-              <a:t>-end</a:t>
-            </a:r>
-          </a:p>
-          <a:p>
-            <a:pPr lvl="1"/>
-            <a:r>
-              <a:rPr lang="en-US" b="1" dirty="0" err="1"/>
-              <a:t>Frameworkul</a:t>
-            </a:r>
-            <a:r>
-              <a:rPr lang="en-US" b="1" dirty="0"/>
-              <a:t> Angular</a:t>
-            </a:r>
-          </a:p>
-          <a:p>
-            <a:pPr lvl="1"/>
-            <a:r>
-              <a:rPr lang="en-US" b="1" dirty="0" err="1"/>
-              <a:t>Limbajul</a:t>
-            </a:r>
-            <a:r>
-              <a:rPr lang="en-US" b="1" dirty="0"/>
-              <a:t> de </a:t>
-            </a:r>
-            <a:r>
-              <a:rPr lang="en-US" b="1" dirty="0" err="1"/>
-              <a:t>programare</a:t>
-            </a:r>
-            <a:r>
-              <a:rPr lang="en-US" b="1" dirty="0"/>
-              <a:t> TypeScript</a:t>
-            </a:r>
-          </a:p>
-          <a:p>
-            <a:pPr lvl="1"/>
-            <a:r>
-              <a:rPr lang="en-US" b="1" dirty="0" err="1"/>
-              <a:t>Limbajul</a:t>
-            </a:r>
-            <a:r>
-              <a:rPr lang="en-US" b="1" dirty="0"/>
-              <a:t> de scripting HTML5</a:t>
-            </a:r>
-          </a:p>
-          <a:p>
-            <a:pPr lvl="1"/>
-            <a:r>
-              <a:rPr lang="en-US" b="1" dirty="0" err="1"/>
-              <a:t>Limbajul</a:t>
-            </a:r>
-            <a:r>
-              <a:rPr lang="en-US" b="1" dirty="0"/>
-              <a:t> de </a:t>
-            </a:r>
-            <a:r>
-              <a:rPr lang="en-US" b="1" dirty="0" err="1"/>
-              <a:t>modelare</a:t>
-            </a:r>
-            <a:r>
-              <a:rPr lang="en-US" b="1" dirty="0"/>
-              <a:t> CSS3</a:t>
-            </a:r>
-          </a:p>
-          <a:p>
-            <a:r>
-              <a:rPr lang="en-US" dirty="0"/>
-              <a:t>Back-end</a:t>
-            </a:r>
-          </a:p>
-          <a:p>
-            <a:pPr lvl="1"/>
-            <a:r>
-              <a:rPr lang="en-US" b="1" dirty="0" err="1"/>
-              <a:t>Limbajul</a:t>
-            </a:r>
-            <a:r>
-              <a:rPr lang="en-US" b="1" dirty="0"/>
-              <a:t> de </a:t>
-            </a:r>
-            <a:r>
-              <a:rPr lang="en-US" b="1" dirty="0" err="1"/>
-              <a:t>programare</a:t>
-            </a:r>
-            <a:r>
-              <a:rPr lang="en-US" b="1" dirty="0"/>
-              <a:t> Java 8</a:t>
-            </a:r>
-          </a:p>
-          <a:p>
-            <a:pPr lvl="1"/>
-            <a:r>
-              <a:rPr lang="en-US" b="1" dirty="0"/>
-              <a:t>ORM-</a:t>
-            </a:r>
-            <a:r>
-              <a:rPr lang="en-US" b="1" dirty="0" err="1"/>
-              <a:t>ul</a:t>
-            </a:r>
-            <a:r>
-              <a:rPr lang="en-US" b="1" dirty="0"/>
-              <a:t> Hibernate</a:t>
-            </a:r>
-          </a:p>
-          <a:p>
-            <a:pPr lvl="1"/>
-            <a:r>
-              <a:rPr lang="en-US" b="1" dirty="0" err="1"/>
-              <a:t>Frameworkul</a:t>
-            </a:r>
-            <a:r>
-              <a:rPr lang="en-US" b="1" dirty="0"/>
-              <a:t> Spring</a:t>
-            </a:r>
-          </a:p>
-          <a:p>
-            <a:pPr lvl="1"/>
-            <a:r>
-              <a:rPr lang="en-US" b="1" dirty="0" err="1"/>
-              <a:t>Frameworkul</a:t>
-            </a:r>
-            <a:r>
-              <a:rPr lang="en-US" b="1" dirty="0"/>
-              <a:t> de </a:t>
-            </a:r>
-            <a:r>
-              <a:rPr lang="en-US" b="1" dirty="0" err="1"/>
-              <a:t>testare</a:t>
-            </a:r>
-            <a:r>
-              <a:rPr lang="en-US" b="1" dirty="0"/>
-              <a:t> JUnit</a:t>
-            </a:r>
-          </a:p>
-          <a:p>
-            <a:r>
-              <a:rPr lang="en-US" dirty="0" err="1"/>
-              <a:t>Baza</a:t>
-            </a:r>
-            <a:r>
-              <a:rPr lang="en-US" dirty="0"/>
-              <a:t> de date PostgreSQL</a:t>
-            </a:r>
-            <a:endParaRPr lang="en-US" b="1" dirty="0"/>
-          </a:p>
-        </p:txBody>
-      </p:sp>
-    </p:spTree>
-    <p:extLst>
-      <p:ext uri="{BB962C8B-B14F-4D97-AF65-F5344CB8AC3E}">
-        <p14:creationId xmlns:p14="http://schemas.microsoft.com/office/powerpoint/2010/main" val="4239215070"/>
-      </p:ext>
-    </p:extLst>
-  </p:cSld>
-  <p:clrMapOvr>
-    <a:masterClrMapping/>
-  </p:clrMapOvr>
-</p:sld>
-</file>
-
-<file path=ppt/slides/slide6.xml><?xml version="1.0" encoding="utf-8"?>
-<p:sld xmlns:a="http://schemas.openxmlformats.org/drawingml/2006/main" xmlns:r="http://schemas.openxmlformats.org/officeDocument/2006/relationships" xmlns:p="http://schemas.openxmlformats.org/presentationml/2006/main">
-  <p:cSld>
-    <p:spTree>
-      <p:nvGrpSpPr>
-        <p:cNvPr id="1" name=""/>
-        <p:cNvGrpSpPr/>
-        <p:nvPr/>
-      </p:nvGrpSpPr>
-      <p:grpSpPr>
-        <a:xfrm>
-          <a:off x="0" y="0"/>
-          <a:ext cx="0" cy="0"/>
-          <a:chOff x="0" y="0"/>
-          <a:chExt cx="0" cy="0"/>
-        </a:xfrm>
-      </p:grpSpPr>
-      <p:sp>
-        <p:nvSpPr>
-          <p:cNvPr id="2" name="Title 1">
-            <a:extLst>
-              <a:ext uri="{FF2B5EF4-FFF2-40B4-BE49-F238E27FC236}">
-                <a16:creationId xmlns:a16="http://schemas.microsoft.com/office/drawing/2014/main" xmlns="" id="{C0F72BF2-2483-4B7F-BB08-960819435CC5}"/>
-              </a:ext>
-            </a:extLst>
-          </p:cNvPr>
-          <p:cNvSpPr>
-            <a:spLocks noGrp="1"/>
-          </p:cNvSpPr>
-          <p:nvPr>
-            <p:ph type="title"/>
-          </p:nvPr>
-        </p:nvSpPr>
-        <p:spPr/>
-        <p:txBody>
-          <a:bodyPr/>
-          <a:lstStyle/>
-          <a:p>
-            <a:r>
-              <a:rPr lang="ro-RO" dirty="0"/>
-              <a:t>Structură aplicație back-</a:t>
-            </a:r>
-            <a:r>
-              <a:rPr lang="ro-RO" dirty="0" err="1"/>
-              <a:t>end</a:t>
-            </a:r>
-            <a:endParaRPr lang="en-US" dirty="0"/>
-          </a:p>
-        </p:txBody>
-      </p:sp>
-      <p:sp>
-        <p:nvSpPr>
-          <p:cNvPr id="3" name="Content Placeholder 2">
-            <a:extLst>
-              <a:ext uri="{FF2B5EF4-FFF2-40B4-BE49-F238E27FC236}">
-                <a16:creationId xmlns:a16="http://schemas.microsoft.com/office/drawing/2014/main" xmlns="" id="{A82DB124-6406-4C18-8D43-03AD9F17119A}"/>
-              </a:ext>
-            </a:extLst>
-          </p:cNvPr>
-          <p:cNvSpPr>
-            <a:spLocks noGrp="1"/>
-          </p:cNvSpPr>
-          <p:nvPr>
-            <p:ph idx="1"/>
-          </p:nvPr>
-        </p:nvSpPr>
-        <p:spPr/>
-        <p:txBody>
-          <a:bodyPr/>
-          <a:lstStyle/>
-          <a:p>
-            <a:r>
-              <a:rPr lang="ro-RO" dirty="0"/>
-              <a:t>Nivel controller</a:t>
-            </a:r>
-          </a:p>
-          <a:p>
-            <a:r>
-              <a:rPr lang="ro-RO" dirty="0"/>
-              <a:t>Nivel servicii</a:t>
-            </a:r>
-          </a:p>
-          <a:p>
-            <a:r>
-              <a:rPr lang="ro-RO" dirty="0"/>
-              <a:t>Nivel </a:t>
-            </a:r>
-            <a:r>
-              <a:rPr lang="ro-RO" dirty="0" err="1"/>
-              <a:t>persistance</a:t>
-            </a:r>
-            <a:endParaRPr lang="en-US" dirty="0"/>
-          </a:p>
-        </p:txBody>
-      </p:sp>
-    </p:spTree>
-    <p:extLst>
-      <p:ext uri="{BB962C8B-B14F-4D97-AF65-F5344CB8AC3E}">
-        <p14:creationId xmlns:p14="http://schemas.microsoft.com/office/powerpoint/2010/main" val="216100990"/>
-      </p:ext>
-    </p:extLst>
-  </p:cSld>
-  <p:clrMapOvr>
-    <a:masterClrMapping/>
-  </p:clrMapOvr>
-</p:sld>
-</file>
-
 <file path=ppt/slides/slide7.xml><?xml version="1.0" encoding="utf-8"?>
 <p:sld xmlns:a="http://schemas.openxmlformats.org/drawingml/2006/main" xmlns:r="http://schemas.openxmlformats.org/officeDocument/2006/relationships" xmlns:p="http://schemas.openxmlformats.org/presentationml/2006/main">
   <p:cSld>
@@ -7217,7 +7293,7 @@
           <p:cNvPr id="2" name="Title 1">
             <a:extLst>
               <a:ext uri="{FF2B5EF4-FFF2-40B4-BE49-F238E27FC236}">
-                <a16:creationId xmlns:a16="http://schemas.microsoft.com/office/drawing/2014/main" xmlns="" id="{9B9C4A55-E28C-4D83-8BF3-7F9789778229}"/>
+                <a16:creationId xmlns="" xmlns:a16="http://schemas.microsoft.com/office/drawing/2014/main" id="{C0F72BF2-2483-4B7F-BB08-960819435CC5}"/>
               </a:ext>
             </a:extLst>
           </p:cNvPr>
@@ -7235,7 +7311,11 @@
           <a:p>
             <a:r>
               <a:rPr lang="ro-RO" dirty="0"/>
-              <a:t>Algoritm generare preț rezervare</a:t>
+              <a:t>Structură aplicație back-</a:t>
+            </a:r>
+            <a:r>
+              <a:rPr lang="ro-RO" dirty="0" err="1"/>
+              <a:t>end</a:t>
             </a:r>
             <a:endParaRPr lang="en-US" dirty="0"/>
           </a:p>
@@ -7246,7 +7326,7 @@
           <p:cNvPr id="3" name="Content Placeholder 2">
             <a:extLst>
               <a:ext uri="{FF2B5EF4-FFF2-40B4-BE49-F238E27FC236}">
-                <a16:creationId xmlns:a16="http://schemas.microsoft.com/office/drawing/2014/main" xmlns="" id="{4066F3A0-4507-4072-9A33-3E8651EB313E}"/>
+                <a16:creationId xmlns="" xmlns:a16="http://schemas.microsoft.com/office/drawing/2014/main" id="{A82DB124-6406-4C18-8D43-03AD9F17119A}"/>
               </a:ext>
             </a:extLst>
           </p:cNvPr>
@@ -7262,66 +7342,39 @@
           <a:bodyPr/>
           <a:lstStyle/>
           <a:p>
-            <a:pPr marL="0" indent="0">
-              <a:buNone/>
-            </a:pPr>
             <a:r>
               <a:rPr lang="ro-RO" dirty="0"/>
-              <a:t>Criterii calculare preț rezervare</a:t>
-            </a:r>
-          </a:p>
-          <a:p>
-            <a:pPr lvl="1"/>
-            <a:r>
-              <a:rPr lang="ro-RO" b="1" dirty="0"/>
-              <a:t>Prețul inițial al categoriei de camere</a:t>
-            </a:r>
-          </a:p>
-          <a:p>
-            <a:pPr lvl="1"/>
-            <a:r>
-              <a:rPr lang="ro-RO" b="1" dirty="0"/>
-              <a:t>Numărul de camere ocupate pentru zilele rezervării</a:t>
-            </a:r>
-          </a:p>
-          <a:p>
-            <a:pPr lvl="1"/>
-            <a:r>
-              <a:rPr lang="ro-RO" b="1" dirty="0"/>
-              <a:t>Verificare dacă zilele rezervării sunt zile cunoscute ca zile în care se fac multe rezervări</a:t>
-            </a:r>
-          </a:p>
-          <a:p>
-            <a:pPr lvl="1"/>
-            <a:r>
-              <a:rPr lang="ro-RO" b="1" dirty="0"/>
-              <a:t>Numărul de zile pentru care este făcută rezervare</a:t>
-            </a:r>
-          </a:p>
-          <a:p>
-            <a:pPr lvl="1"/>
-            <a:r>
-              <a:rPr lang="ro-RO" b="1" dirty="0"/>
-              <a:t>Numărul de rezervări făcute în ultimele 24 de ore</a:t>
-            </a:r>
-          </a:p>
-          <a:p>
-            <a:pPr lvl="1"/>
-            <a:r>
-              <a:rPr lang="ro-RO" b="1" dirty="0"/>
-              <a:t>Rezervările anterioare ale clientului care face rezervarea</a:t>
-            </a:r>
-          </a:p>
-          <a:p>
-            <a:pPr lvl="1"/>
-            <a:endParaRPr lang="en-US" b="1" dirty="0"/>
+              <a:t>Nivel </a:t>
+            </a:r>
+            <a:r>
+              <a:rPr lang="ro-RO" dirty="0" smtClean="0"/>
+              <a:t>controler</a:t>
+            </a:r>
+            <a:endParaRPr lang="ro-RO" dirty="0"/>
+          </a:p>
+          <a:p>
+            <a:r>
+              <a:rPr lang="ro-RO" dirty="0"/>
+              <a:t>Nivel servicii</a:t>
+            </a:r>
+          </a:p>
+          <a:p>
+            <a:r>
+              <a:rPr lang="ro-RO" dirty="0"/>
+              <a:t>Nivel </a:t>
+            </a:r>
+            <a:r>
+              <a:rPr lang="ro-RO" dirty="0" smtClean="0"/>
+              <a:t>presistență</a:t>
+            </a:r>
+            <a:endParaRPr lang="en-US" dirty="0"/>
           </a:p>
         </p:txBody>
       </p:sp>
     </p:spTree>
     <p:extLst>
       <p:ext uri="{BB962C8B-B14F-4D97-AF65-F5344CB8AC3E}">
-        <p14:creationId xmlns:p14="http://schemas.microsoft.com/office/powerpoint/2010/main" val="1152175476"/>
+        <p14:creationId xmlns:p14="http://schemas.microsoft.com/office/powerpoint/2010/main" val="216100990"/>
       </p:ext>
     </p:extLst>
   </p:cSld>
@@ -7353,7 +7406,7 @@
           <p:cNvPr id="2" name="Title 1">
             <a:extLst>
               <a:ext uri="{FF2B5EF4-FFF2-40B4-BE49-F238E27FC236}">
-                <a16:creationId xmlns:a16="http://schemas.microsoft.com/office/drawing/2014/main" xmlns="" id="{7FB9B436-10A5-4ECB-8384-F71E344ED68A}"/>
+                <a16:creationId xmlns="" xmlns:a16="http://schemas.microsoft.com/office/drawing/2014/main" id="{2CE6710C-B90C-46E3-A5D1-44ACA2B4F65E}"/>
               </a:ext>
             </a:extLst>
           </p:cNvPr>
@@ -7370,8 +7423,12 @@
           <a:lstStyle/>
           <a:p>
             <a:r>
+              <a:rPr lang="ro-RO" dirty="0" smtClean="0"/>
+              <a:t>Bune practici de </a:t>
+            </a:r>
+            <a:r>
               <a:rPr lang="ro-RO" dirty="0"/>
-              <a:t>Serviciu emailuri</a:t>
+              <a:t>scriere de cod folosite</a:t>
             </a:r>
             <a:endParaRPr lang="en-US" dirty="0"/>
           </a:p>
@@ -7382,7 +7439,7 @@
           <p:cNvPr id="3" name="Content Placeholder 2">
             <a:extLst>
               <a:ext uri="{FF2B5EF4-FFF2-40B4-BE49-F238E27FC236}">
-                <a16:creationId xmlns:a16="http://schemas.microsoft.com/office/drawing/2014/main" xmlns="" id="{19FF5783-2D6A-4E4E-B562-1AD3E67D2AFA}"/>
+                <a16:creationId xmlns="" xmlns:a16="http://schemas.microsoft.com/office/drawing/2014/main" id="{A0C2D071-CFC3-4DE3-972B-6DCF3EDE4B4E}"/>
               </a:ext>
             </a:extLst>
           </p:cNvPr>
@@ -7399,31 +7456,90 @@
           <a:lstStyle/>
           <a:p>
             <a:r>
+              <a:rPr lang="en-US" dirty="0" err="1"/>
+              <a:t>Respectarea</a:t>
+            </a:r>
+            <a:r>
+              <a:rPr lang="en-US" dirty="0"/>
+              <a:t> </a:t>
+            </a:r>
+            <a:r>
+              <a:rPr lang="en-US" dirty="0" err="1"/>
+              <a:t>principiilor</a:t>
+            </a:r>
+            <a:r>
+              <a:rPr lang="en-US" dirty="0"/>
+              <a:t> de clean code</a:t>
+            </a:r>
+            <a:endParaRPr lang="ro-RO" dirty="0"/>
+          </a:p>
+          <a:p>
+            <a:r>
               <a:rPr lang="ro-RO" dirty="0"/>
-              <a:t>În anumite cazuri sunt trimise emailuri din aplicație pentru înștiințarea utilizatorilor despre anumite evenimente</a:t>
-            </a:r>
+              <a:t>Folosirea de obiecte de transfer de date (DTO) pentru a prelua și returna date pe </a:t>
+            </a:r>
+            <a:r>
+              <a:rPr lang="ro-RO" dirty="0" smtClean="0"/>
+              <a:t>front-end</a:t>
+            </a:r>
+          </a:p>
+          <a:p>
+            <a:r>
+              <a:rPr lang="ro-RO" dirty="0" smtClean="0"/>
+              <a:t>Folosirea excepții proprii</a:t>
+            </a:r>
+            <a:endParaRPr lang="ro-RO" dirty="0"/>
           </a:p>
           <a:p>
             <a:r>
               <a:rPr lang="ro-RO" dirty="0"/>
-              <a:t>Serviciul folosit este </a:t>
+              <a:t>Folosirea sistemului de injectare de dependințe pentru realizare </a:t>
             </a:r>
             <a:r>
               <a:rPr lang="ro-RO" dirty="0" err="1"/>
-              <a:t>Gmail</a:t>
+              <a:t>inversion</a:t>
             </a:r>
             <a:r>
               <a:rPr lang="ro-RO" dirty="0"/>
-              <a:t> API</a:t>
-            </a:r>
-            <a:endParaRPr lang="en-US" dirty="0"/>
+              <a:t> of control</a:t>
+            </a:r>
+            <a:endParaRPr lang="en-US" dirty="0"/>
+          </a:p>
+          <a:p>
+            <a:r>
+              <a:rPr lang="en-US" dirty="0" err="1"/>
+              <a:t>Interfa</a:t>
+            </a:r>
+            <a:r>
+              <a:rPr lang="ro-RO" dirty="0"/>
+              <a:t>ța grafică este făcută </a:t>
+            </a:r>
+            <a:r>
+              <a:rPr lang="ro-RO" dirty="0" smtClean="0"/>
+              <a:t>responsivă </a:t>
+            </a:r>
+            <a:r>
+              <a:rPr lang="ro-RO" dirty="0"/>
+              <a:t>pentru diferite tipuri de dispozitive (calculator, tabletă, telefon</a:t>
+            </a:r>
+            <a:r>
+              <a:rPr lang="ro-RO" dirty="0" smtClean="0"/>
+              <a:t>)</a:t>
+            </a:r>
+          </a:p>
+          <a:p>
+            <a:r>
+              <a:rPr lang="ro-RO" dirty="0" smtClean="0"/>
+              <a:t>Respectă GDPR</a:t>
+            </a:r>
+            <a:endParaRPr lang="ro-RO" dirty="0"/>
           </a:p>
         </p:txBody>
       </p:sp>
     </p:spTree>
     <p:extLst>
       <p:ext uri="{BB962C8B-B14F-4D97-AF65-F5344CB8AC3E}">
-        <p14:creationId xmlns:p14="http://schemas.microsoft.com/office/powerpoint/2010/main" val="1712535094"/>
+        <p14:creationId xmlns:p14="http://schemas.microsoft.com/office/powerpoint/2010/main" val="855301186"/>
       </p:ext>
     </p:extLst>
   </p:cSld>
@@ -7455,7 +7571,7 @@
           <p:cNvPr id="2" name="Title 1">
             <a:extLst>
               <a:ext uri="{FF2B5EF4-FFF2-40B4-BE49-F238E27FC236}">
-                <a16:creationId xmlns:a16="http://schemas.microsoft.com/office/drawing/2014/main" xmlns="" id="{E34B3B82-7FFB-4520-A664-15FD06C015DB}"/>
+                <a16:creationId xmlns="" xmlns:a16="http://schemas.microsoft.com/office/drawing/2014/main" id="{9B9C4A55-E28C-4D83-8BF3-7F9789778229}"/>
               </a:ext>
             </a:extLst>
           </p:cNvPr>
@@ -7473,7 +7589,7 @@
           <a:p>
             <a:r>
               <a:rPr lang="ro-RO" dirty="0"/>
-              <a:t>Serviciu plată rezervare</a:t>
+              <a:t>Algoritm generare preț rezervare</a:t>
             </a:r>
             <a:endParaRPr lang="en-US" dirty="0"/>
           </a:p>
@@ -7484,7 +7600,7 @@
           <p:cNvPr id="3" name="Content Placeholder 2">
             <a:extLst>
               <a:ext uri="{FF2B5EF4-FFF2-40B4-BE49-F238E27FC236}">
-                <a16:creationId xmlns:a16="http://schemas.microsoft.com/office/drawing/2014/main" xmlns="" id="{C0438D10-410B-43D1-B7CF-C695D26D611E}"/>
+                <a16:creationId xmlns="" xmlns:a16="http://schemas.microsoft.com/office/drawing/2014/main" id="{4066F3A0-4507-4072-9A33-3E8651EB313E}"/>
               </a:ext>
             </a:extLst>
           </p:cNvPr>
@@ -7500,61 +7616,66 @@
           <a:bodyPr/>
           <a:lstStyle/>
           <a:p>
+            <a:pPr marL="0" indent="0">
+              <a:buNone/>
+            </a:pPr>
             <a:r>
               <a:rPr lang="ro-RO" dirty="0"/>
-              <a:t>Pentru ca un client al hotelului să finalizeze o rezervare este necesară efectuarea plății pentru acea rezervare</a:t>
-            </a:r>
-          </a:p>
-          <a:p>
-            <a:r>
-              <a:rPr lang="ro-RO" dirty="0"/>
-              <a:t>Plata este realizată prin </a:t>
-            </a:r>
-            <a:r>
-              <a:rPr lang="ro-RO" dirty="0" err="1"/>
-              <a:t>PayPal</a:t>
-            </a:r>
-            <a:r>
-              <a:rPr lang="ro-RO" dirty="0"/>
-              <a:t> în mediul </a:t>
-            </a:r>
-            <a:r>
-              <a:rPr lang="ro-RO" dirty="0" err="1"/>
-              <a:t>sandbox</a:t>
-            </a:r>
-            <a:endParaRPr lang="ro-RO" dirty="0"/>
-          </a:p>
-          <a:p>
-            <a:r>
-              <a:rPr lang="ro-RO" dirty="0"/>
-              <a:t>SDK </a:t>
-            </a:r>
-            <a:r>
-              <a:rPr lang="ro-RO" dirty="0" err="1"/>
-              <a:t>PayPal</a:t>
-            </a:r>
-            <a:r>
-              <a:rPr lang="ro-RO" dirty="0"/>
-              <a:t> pentru Java</a:t>
-            </a:r>
-            <a:r>
-              <a:rPr lang="en-US" dirty="0"/>
-              <a:t>: </a:t>
-            </a:r>
-            <a:r>
-              <a:rPr lang="en-US" dirty="0">
-                <a:hlinkClick r:id="rId2"/>
-              </a:rPr>
-              <a:t>https://github.com/paypal/PayPal-Java-SDK</a:t>
-            </a:r>
-            <a:endParaRPr lang="en-US" dirty="0"/>
+              <a:t>Criterii calculare preț rezervare</a:t>
+            </a:r>
+          </a:p>
+          <a:p>
+            <a:pPr lvl="1"/>
+            <a:r>
+              <a:rPr lang="ro-RO" b="1" dirty="0"/>
+              <a:t>Prețul inițial al categoriei de camere</a:t>
+            </a:r>
+          </a:p>
+          <a:p>
+            <a:pPr lvl="1"/>
+            <a:r>
+              <a:rPr lang="ro-RO" b="1" dirty="0"/>
+              <a:t>Numărul de camere ocupate pentru zilele rezervării</a:t>
+            </a:r>
+          </a:p>
+          <a:p>
+            <a:pPr lvl="1"/>
+            <a:r>
+              <a:rPr lang="ro-RO" b="1" dirty="0"/>
+              <a:t>Verificare dacă zilele rezervării sunt zile cunoscute ca zile în care se fac multe rezervări</a:t>
+            </a:r>
+          </a:p>
+          <a:p>
+            <a:pPr lvl="1"/>
+            <a:r>
+              <a:rPr lang="ro-RO" b="1" dirty="0"/>
+              <a:t>Numărul de zile pentru care este făcută rezervare</a:t>
+            </a:r>
+          </a:p>
+          <a:p>
+            <a:pPr lvl="1"/>
+            <a:r>
+              <a:rPr lang="ro-RO" b="1" dirty="0"/>
+              <a:t>Numărul de rezervări făcute în ultimele 24 de ore</a:t>
+            </a:r>
+          </a:p>
+          <a:p>
+            <a:pPr lvl="1"/>
+            <a:r>
+              <a:rPr lang="ro-RO" b="1" dirty="0"/>
+              <a:t>Rezervările anterioare ale clientului care face rezervarea</a:t>
+            </a:r>
+          </a:p>
+          <a:p>
+            <a:pPr lvl="1"/>
+            <a:endParaRPr lang="en-US" b="1" dirty="0"/>
           </a:p>
         </p:txBody>
       </p:sp>
     </p:spTree>
     <p:extLst>
       <p:ext uri="{BB962C8B-B14F-4D97-AF65-F5344CB8AC3E}">
-        <p14:creationId xmlns:p14="http://schemas.microsoft.com/office/powerpoint/2010/main" val="272181574"/>
+        <p14:creationId xmlns:p14="http://schemas.microsoft.com/office/powerpoint/2010/main" val="1152175476"/>
       </p:ext>
     </p:extLst>
   </p:cSld>
@@ -7815,7 +7936,7 @@
   <a:extraClrSchemeLst/>
   <a:extLst>
     <a:ext uri="{05A4C25C-085E-4340-85A3-A5531E510DB2}">
-      <thm15:themeFamily xmlns:thm15="http://schemas.microsoft.com/office/thememl/2012/main" xmlns="" name="Facet" id="{C0C680CD-088A-49FC-A102-D699147F32B2}" vid="{CFBC31BA-B70F-4F30-BCAA-4F3011E16C4D}"/>
+      <thm15:themeFamily xmlns="" xmlns:thm15="http://schemas.microsoft.com/office/thememl/2012/main" name="Facet" id="{C0C680CD-088A-49FC-A102-D699147F32B2}" vid="{CFBC31BA-B70F-4F30-BCAA-4F3011E16C4D}"/>
     </a:ext>
   </a:extLst>
 </a:theme>
